--- a/about-html/Kortforsyningsplugin3_engelsk.pptx
+++ b/about-html/Kortforsyningsplugin3_engelsk.pptx
@@ -261,7 +261,7 @@
           <a:p>
             <a:fld id="{E941B69C-30E9-4528-AF1E-84C48F433A02}" type="datetimeFigureOut">
               <a:rPr lang="da-DK" smtClean="0"/>
-              <a:t>06-03-2019</a:t>
+              <a:t>13-03-2019</a:t>
             </a:fld>
             <a:endParaRPr lang="da-DK"/>
           </a:p>
@@ -461,7 +461,7 @@
           <a:p>
             <a:fld id="{E941B69C-30E9-4528-AF1E-84C48F433A02}" type="datetimeFigureOut">
               <a:rPr lang="da-DK" smtClean="0"/>
-              <a:t>06-03-2019</a:t>
+              <a:t>13-03-2019</a:t>
             </a:fld>
             <a:endParaRPr lang="da-DK"/>
           </a:p>
@@ -671,7 +671,7 @@
           <a:p>
             <a:fld id="{E941B69C-30E9-4528-AF1E-84C48F433A02}" type="datetimeFigureOut">
               <a:rPr lang="da-DK" smtClean="0"/>
-              <a:t>06-03-2019</a:t>
+              <a:t>13-03-2019</a:t>
             </a:fld>
             <a:endParaRPr lang="da-DK"/>
           </a:p>
@@ -871,7 +871,7 @@
           <a:p>
             <a:fld id="{E941B69C-30E9-4528-AF1E-84C48F433A02}" type="datetimeFigureOut">
               <a:rPr lang="da-DK" smtClean="0"/>
-              <a:t>06-03-2019</a:t>
+              <a:t>13-03-2019</a:t>
             </a:fld>
             <a:endParaRPr lang="da-DK"/>
           </a:p>
@@ -1147,7 +1147,7 @@
           <a:p>
             <a:fld id="{E941B69C-30E9-4528-AF1E-84C48F433A02}" type="datetimeFigureOut">
               <a:rPr lang="da-DK" smtClean="0"/>
-              <a:t>06-03-2019</a:t>
+              <a:t>13-03-2019</a:t>
             </a:fld>
             <a:endParaRPr lang="da-DK"/>
           </a:p>
@@ -1415,7 +1415,7 @@
           <a:p>
             <a:fld id="{E941B69C-30E9-4528-AF1E-84C48F433A02}" type="datetimeFigureOut">
               <a:rPr lang="da-DK" smtClean="0"/>
-              <a:t>06-03-2019</a:t>
+              <a:t>13-03-2019</a:t>
             </a:fld>
             <a:endParaRPr lang="da-DK"/>
           </a:p>
@@ -1830,7 +1830,7 @@
           <a:p>
             <a:fld id="{E941B69C-30E9-4528-AF1E-84C48F433A02}" type="datetimeFigureOut">
               <a:rPr lang="da-DK" smtClean="0"/>
-              <a:t>06-03-2019</a:t>
+              <a:t>13-03-2019</a:t>
             </a:fld>
             <a:endParaRPr lang="da-DK"/>
           </a:p>
@@ -1972,7 +1972,7 @@
           <a:p>
             <a:fld id="{E941B69C-30E9-4528-AF1E-84C48F433A02}" type="datetimeFigureOut">
               <a:rPr lang="da-DK" smtClean="0"/>
-              <a:t>06-03-2019</a:t>
+              <a:t>13-03-2019</a:t>
             </a:fld>
             <a:endParaRPr lang="da-DK"/>
           </a:p>
@@ -2085,7 +2085,7 @@
           <a:p>
             <a:fld id="{E941B69C-30E9-4528-AF1E-84C48F433A02}" type="datetimeFigureOut">
               <a:rPr lang="da-DK" smtClean="0"/>
-              <a:t>06-03-2019</a:t>
+              <a:t>13-03-2019</a:t>
             </a:fld>
             <a:endParaRPr lang="da-DK"/>
           </a:p>
@@ -2398,7 +2398,7 @@
           <a:p>
             <a:fld id="{E941B69C-30E9-4528-AF1E-84C48F433A02}" type="datetimeFigureOut">
               <a:rPr lang="da-DK" smtClean="0"/>
-              <a:t>06-03-2019</a:t>
+              <a:t>13-03-2019</a:t>
             </a:fld>
             <a:endParaRPr lang="da-DK"/>
           </a:p>
@@ -2687,7 +2687,7 @@
           <a:p>
             <a:fld id="{E941B69C-30E9-4528-AF1E-84C48F433A02}" type="datetimeFigureOut">
               <a:rPr lang="da-DK" smtClean="0"/>
-              <a:t>06-03-2019</a:t>
+              <a:t>13-03-2019</a:t>
             </a:fld>
             <a:endParaRPr lang="da-DK"/>
           </a:p>
@@ -2930,7 +2930,7 @@
           <a:p>
             <a:fld id="{E941B69C-30E9-4528-AF1E-84C48F433A02}" type="datetimeFigureOut">
               <a:rPr lang="da-DK" smtClean="0"/>
-              <a:t>06-03-2019</a:t>
+              <a:t>13-03-2019</a:t>
             </a:fld>
             <a:endParaRPr lang="da-DK"/>
           </a:p>
@@ -3379,10 +3379,10 @@
       </p:pic>
       <p:pic>
         <p:nvPicPr>
-          <p:cNvPr id="6" name="Picture 5">
-            <a:extLst>
-              <a:ext uri="{FF2B5EF4-FFF2-40B4-BE49-F238E27FC236}">
-                <a16:creationId xmlns:a16="http://schemas.microsoft.com/office/drawing/2014/main" id="{873E00F9-4C49-489C-87BC-99254E1F094F}"/>
+          <p:cNvPr id="3" name="Picture 2">
+            <a:extLst>
+              <a:ext uri="{FF2B5EF4-FFF2-40B4-BE49-F238E27FC236}">
+                <a16:creationId xmlns:a16="http://schemas.microsoft.com/office/drawing/2014/main" id="{505E1276-BF11-45D5-8386-31DC6D1F89B8}"/>
               </a:ext>
             </a:extLst>
           </p:cNvPr>
@@ -3399,8 +3399,8 @@
         </p:blipFill>
         <p:spPr>
           <a:xfrm>
-            <a:off x="3735422" y="1578794"/>
-            <a:ext cx="5944670" cy="5084654"/>
+            <a:off x="3739783" y="1530931"/>
+            <a:ext cx="5770972" cy="5084654"/>
           </a:xfrm>
           <a:prstGeom prst="rect">
             <a:avLst/>
